--- a/POC42/KontrollAvByggnadsareaVåningarMotDetaljplan.pptx
+++ b/POC42/KontrollAvByggnadsareaVåningarMotDetaljplan.pptx
@@ -6,14 +6,15 @@
   </p:sldMasterIdLst>
   <p:sldIdLst>
     <p:sldId id="256" r:id="rId2"/>
-    <p:sldId id="257" r:id="rId3"/>
-    <p:sldId id="258" r:id="rId4"/>
-    <p:sldId id="259" r:id="rId5"/>
-    <p:sldId id="263" r:id="rId6"/>
-    <p:sldId id="261" r:id="rId7"/>
-    <p:sldId id="260" r:id="rId8"/>
-    <p:sldId id="262" r:id="rId9"/>
-    <p:sldId id="264" r:id="rId10"/>
+    <p:sldId id="265" r:id="rId3"/>
+    <p:sldId id="257" r:id="rId4"/>
+    <p:sldId id="258" r:id="rId5"/>
+    <p:sldId id="259" r:id="rId6"/>
+    <p:sldId id="263" r:id="rId7"/>
+    <p:sldId id="261" r:id="rId8"/>
+    <p:sldId id="260" r:id="rId9"/>
+    <p:sldId id="262" r:id="rId10"/>
+    <p:sldId id="264" r:id="rId11"/>
   </p:sldIdLst>
   <p:sldSz cx="9144000" cy="6858000" type="screen4x3"/>
   <p:notesSz cx="6858000" cy="9144000"/>
@@ -296,7 +297,7 @@
           <a:p>
             <a:fld id="{347BD319-C441-4740-BDB2-35E25C52CCE7}" type="datetimeFigureOut">
               <a:rPr lang="sv-SE" smtClean="0"/>
-              <a:t>2019-07-05</a:t>
+              <a:t>2019-07-23</a:t>
             </a:fld>
             <a:endParaRPr lang="sv-SE"/>
           </a:p>
@@ -461,7 +462,7 @@
           <a:p>
             <a:fld id="{347BD319-C441-4740-BDB2-35E25C52CCE7}" type="datetimeFigureOut">
               <a:rPr lang="sv-SE" smtClean="0"/>
-              <a:t>2019-07-05</a:t>
+              <a:t>2019-07-23</a:t>
             </a:fld>
             <a:endParaRPr lang="sv-SE"/>
           </a:p>
@@ -636,7 +637,7 @@
           <a:p>
             <a:fld id="{347BD319-C441-4740-BDB2-35E25C52CCE7}" type="datetimeFigureOut">
               <a:rPr lang="sv-SE" smtClean="0"/>
-              <a:t>2019-07-05</a:t>
+              <a:t>2019-07-23</a:t>
             </a:fld>
             <a:endParaRPr lang="sv-SE"/>
           </a:p>
@@ -801,7 +802,7 @@
           <a:p>
             <a:fld id="{347BD319-C441-4740-BDB2-35E25C52CCE7}" type="datetimeFigureOut">
               <a:rPr lang="sv-SE" smtClean="0"/>
-              <a:t>2019-07-05</a:t>
+              <a:t>2019-07-23</a:t>
             </a:fld>
             <a:endParaRPr lang="sv-SE"/>
           </a:p>
@@ -1042,7 +1043,7 @@
           <a:p>
             <a:fld id="{347BD319-C441-4740-BDB2-35E25C52CCE7}" type="datetimeFigureOut">
               <a:rPr lang="sv-SE" smtClean="0"/>
-              <a:t>2019-07-05</a:t>
+              <a:t>2019-07-23</a:t>
             </a:fld>
             <a:endParaRPr lang="sv-SE"/>
           </a:p>
@@ -1325,7 +1326,7 @@
           <a:p>
             <a:fld id="{347BD319-C441-4740-BDB2-35E25C52CCE7}" type="datetimeFigureOut">
               <a:rPr lang="sv-SE" smtClean="0"/>
-              <a:t>2019-07-05</a:t>
+              <a:t>2019-07-23</a:t>
             </a:fld>
             <a:endParaRPr lang="sv-SE"/>
           </a:p>
@@ -1742,7 +1743,7 @@
           <a:p>
             <a:fld id="{347BD319-C441-4740-BDB2-35E25C52CCE7}" type="datetimeFigureOut">
               <a:rPr lang="sv-SE" smtClean="0"/>
-              <a:t>2019-07-05</a:t>
+              <a:t>2019-07-23</a:t>
             </a:fld>
             <a:endParaRPr lang="sv-SE"/>
           </a:p>
@@ -1855,7 +1856,7 @@
           <a:p>
             <a:fld id="{347BD319-C441-4740-BDB2-35E25C52CCE7}" type="datetimeFigureOut">
               <a:rPr lang="sv-SE" smtClean="0"/>
-              <a:t>2019-07-05</a:t>
+              <a:t>2019-07-23</a:t>
             </a:fld>
             <a:endParaRPr lang="sv-SE"/>
           </a:p>
@@ -1945,7 +1946,7 @@
           <a:p>
             <a:fld id="{347BD319-C441-4740-BDB2-35E25C52CCE7}" type="datetimeFigureOut">
               <a:rPr lang="sv-SE" smtClean="0"/>
-              <a:t>2019-07-05</a:t>
+              <a:t>2019-07-23</a:t>
             </a:fld>
             <a:endParaRPr lang="sv-SE"/>
           </a:p>
@@ -2217,7 +2218,7 @@
           <a:p>
             <a:fld id="{347BD319-C441-4740-BDB2-35E25C52CCE7}" type="datetimeFigureOut">
               <a:rPr lang="sv-SE" smtClean="0"/>
-              <a:t>2019-07-05</a:t>
+              <a:t>2019-07-23</a:t>
             </a:fld>
             <a:endParaRPr lang="sv-SE"/>
           </a:p>
@@ -2465,7 +2466,7 @@
           <a:p>
             <a:fld id="{347BD319-C441-4740-BDB2-35E25C52CCE7}" type="datetimeFigureOut">
               <a:rPr lang="sv-SE" smtClean="0"/>
-              <a:t>2019-07-05</a:t>
+              <a:t>2019-07-23</a:t>
             </a:fld>
             <a:endParaRPr lang="sv-SE"/>
           </a:p>
@@ -2673,7 +2674,7 @@
           <a:p>
             <a:fld id="{347BD319-C441-4740-BDB2-35E25C52CCE7}" type="datetimeFigureOut">
               <a:rPr lang="sv-SE" smtClean="0"/>
-              <a:t>2019-07-05</a:t>
+              <a:t>2019-07-23</a:t>
             </a:fld>
             <a:endParaRPr lang="sv-SE"/>
           </a:p>
@@ -3043,6 +3044,974 @@
           <a:chExt cx="0" cy="0"/>
         </a:xfrm>
       </p:grpSpPr>
+      <p:sp>
+        <p:nvSpPr>
+          <p:cNvPr id="4" name="TextBox 3"/>
+          <p:cNvSpPr txBox="1"/>
+          <p:nvPr/>
+        </p:nvSpPr>
+        <p:spPr>
+          <a:xfrm>
+            <a:off x="395536" y="2849258"/>
+            <a:ext cx="8064896" cy="1077218"/>
+          </a:xfrm>
+          <a:prstGeom prst="rect">
+            <a:avLst/>
+          </a:prstGeom>
+          <a:noFill/>
+        </p:spPr>
+        <p:txBody>
+          <a:bodyPr wrap="square" rtlCol="0">
+            <a:spAutoFit/>
+          </a:bodyPr>
+          <a:lstStyle/>
+          <a:p>
+            <a:pPr algn="ctr"/>
+            <a:r>
+              <a:rPr lang="en-US" sz="3200" dirty="0" err="1" smtClean="0"/>
+              <a:t>Denna</a:t>
+            </a:r>
+            <a:r>
+              <a:rPr lang="en-US" sz="3200" dirty="0" smtClean="0"/>
+              <a:t> presentation </a:t>
+            </a:r>
+            <a:r>
+              <a:rPr lang="en-US" sz="3200" dirty="0" err="1" smtClean="0"/>
+              <a:t>beskriver</a:t>
+            </a:r>
+            <a:r>
+              <a:rPr lang="en-US" sz="3200" dirty="0" smtClean="0"/>
+              <a:t> </a:t>
+            </a:r>
+            <a:r>
+              <a:rPr lang="en-US" sz="3200" dirty="0" err="1" smtClean="0"/>
+              <a:t>arbetsflödet</a:t>
+            </a:r>
+            <a:r>
+              <a:rPr lang="en-US" sz="3200" dirty="0" smtClean="0"/>
+              <a:t> </a:t>
+            </a:r>
+            <a:r>
+              <a:rPr lang="en-US" sz="3200" dirty="0" err="1" smtClean="0"/>
+              <a:t>i</a:t>
+            </a:r>
+            <a:r>
+              <a:rPr lang="en-US" sz="3200" dirty="0" smtClean="0"/>
+              <a:t> FME </a:t>
+            </a:r>
+            <a:r>
+              <a:rPr lang="en-US" sz="3200" dirty="0" err="1" smtClean="0"/>
+              <a:t>skriptet</a:t>
+            </a:r>
+            <a:r>
+              <a:rPr lang="en-US" sz="3200" dirty="0" smtClean="0"/>
+              <a:t> FJL_POC42.fmwt</a:t>
+            </a:r>
+            <a:endParaRPr lang="en-US" sz="3200" dirty="0" smtClean="0"/>
+          </a:p>
+        </p:txBody>
+      </p:sp>
+    </p:spTree>
+    <p:extLst>
+      <p:ext uri="{BB962C8B-B14F-4D97-AF65-F5344CB8AC3E}">
+        <p14:creationId xmlns:p14="http://schemas.microsoft.com/office/powerpoint/2010/main" val="2582978120"/>
+      </p:ext>
+    </p:extLst>
+  </p:cSld>
+  <p:clrMapOvr>
+    <a:masterClrMapping/>
+  </p:clrMapOvr>
+</p:sld>
+</file>
+
+<file path=ppt/slides/slide10.xml><?xml version="1.0" encoding="utf-8"?>
+<p:sld xmlns:a="http://schemas.openxmlformats.org/drawingml/2006/main" xmlns:r="http://schemas.openxmlformats.org/officeDocument/2006/relationships" xmlns:p="http://schemas.openxmlformats.org/presentationml/2006/main">
+  <p:cSld>
+    <p:spTree>
+      <p:nvGrpSpPr>
+        <p:cNvPr id="1" name=""/>
+        <p:cNvGrpSpPr/>
+        <p:nvPr/>
+      </p:nvGrpSpPr>
+      <p:grpSpPr>
+        <a:xfrm>
+          <a:off x="0" y="0"/>
+          <a:ext cx="0" cy="0"/>
+          <a:chOff x="0" y="0"/>
+          <a:chExt cx="0" cy="0"/>
+        </a:xfrm>
+      </p:grpSpPr>
+      <p:sp>
+        <p:nvSpPr>
+          <p:cNvPr id="9" name="TextBox 8"/>
+          <p:cNvSpPr txBox="1"/>
+          <p:nvPr/>
+        </p:nvSpPr>
+        <p:spPr>
+          <a:xfrm>
+            <a:off x="0" y="332656"/>
+            <a:ext cx="9144000" cy="584775"/>
+          </a:xfrm>
+          <a:prstGeom prst="rect">
+            <a:avLst/>
+          </a:prstGeom>
+          <a:noFill/>
+        </p:spPr>
+        <p:txBody>
+          <a:bodyPr wrap="square" rtlCol="0">
+            <a:spAutoFit/>
+          </a:bodyPr>
+          <a:lstStyle/>
+          <a:p>
+            <a:pPr algn="ctr"/>
+            <a:r>
+              <a:rPr lang="en-US" sz="3200" dirty="0" err="1" smtClean="0"/>
+              <a:t>Kort</a:t>
+            </a:r>
+            <a:r>
+              <a:rPr lang="en-US" sz="3200" dirty="0" smtClean="0"/>
+              <a:t> summering </a:t>
+            </a:r>
+            <a:r>
+              <a:rPr lang="en-US" sz="3200" dirty="0" err="1" smtClean="0"/>
+              <a:t>av</a:t>
+            </a:r>
+            <a:r>
+              <a:rPr lang="en-US" sz="3200" dirty="0" smtClean="0"/>
+              <a:t> FME </a:t>
+            </a:r>
+            <a:r>
+              <a:rPr lang="en-US" sz="3200" dirty="0" err="1" smtClean="0"/>
+              <a:t>skriptet</a:t>
+            </a:r>
+            <a:endParaRPr lang="en-US" sz="3200" dirty="0" smtClean="0"/>
+          </a:p>
+        </p:txBody>
+      </p:sp>
+      <p:sp>
+        <p:nvSpPr>
+          <p:cNvPr id="2" name="Rectangle 1"/>
+          <p:cNvSpPr/>
+          <p:nvPr/>
+        </p:nvSpPr>
+        <p:spPr>
+          <a:xfrm>
+            <a:off x="62162" y="2929042"/>
+            <a:ext cx="1944216" cy="864096"/>
+          </a:xfrm>
+          <a:prstGeom prst="rect">
+            <a:avLst/>
+          </a:prstGeom>
+          <a:solidFill>
+            <a:schemeClr val="bg1">
+              <a:lumMod val="95000"/>
+            </a:schemeClr>
+          </a:solidFill>
+          <a:ln>
+            <a:solidFill>
+              <a:schemeClr val="bg1">
+                <a:lumMod val="50000"/>
+              </a:schemeClr>
+            </a:solidFill>
+          </a:ln>
+        </p:spPr>
+        <p:style>
+          <a:lnRef idx="2">
+            <a:schemeClr val="accent1">
+              <a:shade val="50000"/>
+            </a:schemeClr>
+          </a:lnRef>
+          <a:fillRef idx="1">
+            <a:schemeClr val="accent1"/>
+          </a:fillRef>
+          <a:effectRef idx="0">
+            <a:schemeClr val="accent1"/>
+          </a:effectRef>
+          <a:fontRef idx="minor">
+            <a:schemeClr val="lt1"/>
+          </a:fontRef>
+        </p:style>
+        <p:txBody>
+          <a:bodyPr rtlCol="0" anchor="ctr"/>
+          <a:lstStyle/>
+          <a:p>
+            <a:pPr algn="ctr"/>
+            <a:r>
+              <a:rPr lang="en-US" dirty="0" err="1" smtClean="0">
+                <a:solidFill>
+                  <a:schemeClr val="tx1"/>
+                </a:solidFill>
+              </a:rPr>
+              <a:t>Importera</a:t>
+            </a:r>
+            <a:r>
+              <a:rPr lang="en-US" dirty="0" smtClean="0">
+                <a:solidFill>
+                  <a:schemeClr val="tx1"/>
+                </a:solidFill>
+              </a:rPr>
+              <a:t> </a:t>
+            </a:r>
+            <a:r>
+              <a:rPr lang="en-US" dirty="0" err="1" smtClean="0">
+                <a:solidFill>
+                  <a:schemeClr val="tx1"/>
+                </a:solidFill>
+              </a:rPr>
+              <a:t>detaljplanen</a:t>
+            </a:r>
+            <a:endParaRPr lang="en-US" dirty="0" smtClean="0">
+              <a:solidFill>
+                <a:schemeClr val="tx1"/>
+              </a:solidFill>
+            </a:endParaRPr>
+          </a:p>
+          <a:p>
+            <a:pPr algn="ctr"/>
+            <a:r>
+              <a:rPr lang="en-US" dirty="0">
+                <a:solidFill>
+                  <a:schemeClr val="tx1"/>
+                </a:solidFill>
+              </a:rPr>
+              <a:t>(SS 637040)</a:t>
+            </a:r>
+          </a:p>
+        </p:txBody>
+      </p:sp>
+      <p:sp>
+        <p:nvSpPr>
+          <p:cNvPr id="12" name="Rectangle 11"/>
+          <p:cNvSpPr/>
+          <p:nvPr/>
+        </p:nvSpPr>
+        <p:spPr>
+          <a:xfrm>
+            <a:off x="62162" y="3940557"/>
+            <a:ext cx="1944216" cy="864096"/>
+          </a:xfrm>
+          <a:prstGeom prst="rect">
+            <a:avLst/>
+          </a:prstGeom>
+          <a:solidFill>
+            <a:schemeClr val="bg1">
+              <a:lumMod val="95000"/>
+            </a:schemeClr>
+          </a:solidFill>
+          <a:ln>
+            <a:solidFill>
+              <a:schemeClr val="bg1">
+                <a:lumMod val="50000"/>
+              </a:schemeClr>
+            </a:solidFill>
+          </a:ln>
+        </p:spPr>
+        <p:style>
+          <a:lnRef idx="2">
+            <a:schemeClr val="accent1">
+              <a:shade val="50000"/>
+            </a:schemeClr>
+          </a:lnRef>
+          <a:fillRef idx="1">
+            <a:schemeClr val="accent1"/>
+          </a:fillRef>
+          <a:effectRef idx="0">
+            <a:schemeClr val="accent1"/>
+          </a:effectRef>
+          <a:fontRef idx="minor">
+            <a:schemeClr val="lt1"/>
+          </a:fontRef>
+        </p:style>
+        <p:txBody>
+          <a:bodyPr rtlCol="0" anchor="ctr"/>
+          <a:lstStyle/>
+          <a:p>
+            <a:pPr algn="ctr"/>
+            <a:r>
+              <a:rPr lang="en-US" dirty="0" err="1" smtClean="0">
+                <a:solidFill>
+                  <a:schemeClr val="tx1"/>
+                </a:solidFill>
+              </a:rPr>
+              <a:t>Importera</a:t>
+            </a:r>
+            <a:r>
+              <a:rPr lang="en-US" dirty="0" smtClean="0">
+                <a:solidFill>
+                  <a:schemeClr val="tx1"/>
+                </a:solidFill>
+              </a:rPr>
+              <a:t> </a:t>
+            </a:r>
+            <a:r>
+              <a:rPr lang="en-US" dirty="0" err="1" smtClean="0">
+                <a:solidFill>
+                  <a:schemeClr val="tx1"/>
+                </a:solidFill>
+              </a:rPr>
+              <a:t>byggnadsmodellen</a:t>
+            </a:r>
+            <a:endParaRPr lang="en-US" dirty="0" smtClean="0">
+              <a:solidFill>
+                <a:schemeClr val="tx1"/>
+              </a:solidFill>
+            </a:endParaRPr>
+          </a:p>
+          <a:p>
+            <a:pPr algn="ctr"/>
+            <a:r>
+              <a:rPr lang="en-US" dirty="0" smtClean="0">
+                <a:solidFill>
+                  <a:schemeClr val="tx1"/>
+                </a:solidFill>
+              </a:rPr>
+              <a:t>(</a:t>
+            </a:r>
+            <a:r>
+              <a:rPr lang="en-US" dirty="0" err="1" smtClean="0">
+                <a:solidFill>
+                  <a:schemeClr val="tx1"/>
+                </a:solidFill>
+              </a:rPr>
+              <a:t>CityGML</a:t>
+            </a:r>
+            <a:r>
+              <a:rPr lang="en-US" dirty="0" smtClean="0">
+                <a:solidFill>
+                  <a:schemeClr val="tx1"/>
+                </a:solidFill>
+              </a:rPr>
+              <a:t> 3 ADE)</a:t>
+            </a:r>
+            <a:endParaRPr lang="en-US" dirty="0">
+              <a:solidFill>
+                <a:schemeClr val="tx1"/>
+              </a:solidFill>
+            </a:endParaRPr>
+          </a:p>
+        </p:txBody>
+      </p:sp>
+      <p:sp>
+        <p:nvSpPr>
+          <p:cNvPr id="13" name="Rectangle 12"/>
+          <p:cNvSpPr/>
+          <p:nvPr/>
+        </p:nvSpPr>
+        <p:spPr>
+          <a:xfrm>
+            <a:off x="2487763" y="3163309"/>
+            <a:ext cx="1944216" cy="1240885"/>
+          </a:xfrm>
+          <a:prstGeom prst="rect">
+            <a:avLst/>
+          </a:prstGeom>
+          <a:solidFill>
+            <a:schemeClr val="bg1">
+              <a:lumMod val="95000"/>
+            </a:schemeClr>
+          </a:solidFill>
+          <a:ln>
+            <a:solidFill>
+              <a:schemeClr val="bg1">
+                <a:lumMod val="50000"/>
+              </a:schemeClr>
+            </a:solidFill>
+          </a:ln>
+        </p:spPr>
+        <p:style>
+          <a:lnRef idx="2">
+            <a:schemeClr val="accent1">
+              <a:shade val="50000"/>
+            </a:schemeClr>
+          </a:lnRef>
+          <a:fillRef idx="1">
+            <a:schemeClr val="accent1"/>
+          </a:fillRef>
+          <a:effectRef idx="0">
+            <a:schemeClr val="accent1"/>
+          </a:effectRef>
+          <a:fontRef idx="minor">
+            <a:schemeClr val="lt1"/>
+          </a:fontRef>
+        </p:style>
+        <p:txBody>
+          <a:bodyPr rtlCol="0" anchor="ctr"/>
+          <a:lstStyle/>
+          <a:p>
+            <a:pPr algn="ctr"/>
+            <a:r>
+              <a:rPr lang="en-US" dirty="0" err="1" smtClean="0">
+                <a:solidFill>
+                  <a:schemeClr val="tx1"/>
+                </a:solidFill>
+              </a:rPr>
+              <a:t>Identifiera</a:t>
+            </a:r>
+            <a:r>
+              <a:rPr lang="en-US" dirty="0" smtClean="0">
+                <a:solidFill>
+                  <a:schemeClr val="tx1"/>
+                </a:solidFill>
+              </a:rPr>
+              <a:t> </a:t>
+            </a:r>
+            <a:r>
+              <a:rPr lang="en-US" dirty="0" err="1" smtClean="0">
+                <a:solidFill>
+                  <a:schemeClr val="tx1"/>
+                </a:solidFill>
+              </a:rPr>
+              <a:t>vilket</a:t>
+            </a:r>
+            <a:r>
+              <a:rPr lang="en-US" dirty="0" smtClean="0">
+                <a:solidFill>
+                  <a:schemeClr val="tx1"/>
+                </a:solidFill>
+              </a:rPr>
+              <a:t> </a:t>
+            </a:r>
+            <a:r>
+              <a:rPr lang="en-US" dirty="0" err="1" smtClean="0">
+                <a:solidFill>
+                  <a:schemeClr val="tx1"/>
+                </a:solidFill>
+              </a:rPr>
+              <a:t>område</a:t>
+            </a:r>
+            <a:r>
+              <a:rPr lang="en-US" dirty="0" smtClean="0">
+                <a:solidFill>
+                  <a:schemeClr val="tx1"/>
+                </a:solidFill>
+              </a:rPr>
+              <a:t> </a:t>
+            </a:r>
+            <a:r>
+              <a:rPr lang="en-US" dirty="0" err="1" smtClean="0">
+                <a:solidFill>
+                  <a:schemeClr val="tx1"/>
+                </a:solidFill>
+              </a:rPr>
+              <a:t>byggnadens</a:t>
+            </a:r>
+            <a:r>
+              <a:rPr lang="en-US" dirty="0" smtClean="0">
+                <a:solidFill>
+                  <a:schemeClr val="tx1"/>
+                </a:solidFill>
+              </a:rPr>
+              <a:t> </a:t>
+            </a:r>
+            <a:r>
+              <a:rPr lang="en-US" dirty="0" err="1" smtClean="0">
+                <a:solidFill>
+                  <a:schemeClr val="tx1"/>
+                </a:solidFill>
+              </a:rPr>
+              <a:t>bygglov</a:t>
+            </a:r>
+            <a:r>
+              <a:rPr lang="en-US" dirty="0" smtClean="0">
+                <a:solidFill>
+                  <a:schemeClr val="tx1"/>
+                </a:solidFill>
+              </a:rPr>
+              <a:t> </a:t>
+            </a:r>
+            <a:r>
+              <a:rPr lang="en-US" dirty="0" err="1" smtClean="0">
+                <a:solidFill>
+                  <a:schemeClr val="tx1"/>
+                </a:solidFill>
+              </a:rPr>
+              <a:t>avser</a:t>
+            </a:r>
+            <a:r>
+              <a:rPr lang="en-US" dirty="0" smtClean="0">
+                <a:solidFill>
+                  <a:schemeClr val="tx1"/>
+                </a:solidFill>
+              </a:rPr>
+              <a:t> </a:t>
+            </a:r>
+            <a:endParaRPr lang="en-US" dirty="0">
+              <a:solidFill>
+                <a:schemeClr val="tx1"/>
+              </a:solidFill>
+            </a:endParaRPr>
+          </a:p>
+        </p:txBody>
+      </p:sp>
+      <p:sp>
+        <p:nvSpPr>
+          <p:cNvPr id="14" name="Rectangle 13"/>
+          <p:cNvSpPr/>
+          <p:nvPr/>
+        </p:nvSpPr>
+        <p:spPr>
+          <a:xfrm>
+            <a:off x="4852374" y="3168112"/>
+            <a:ext cx="1944216" cy="1240885"/>
+          </a:xfrm>
+          <a:prstGeom prst="rect">
+            <a:avLst/>
+          </a:prstGeom>
+          <a:solidFill>
+            <a:schemeClr val="bg1">
+              <a:lumMod val="95000"/>
+            </a:schemeClr>
+          </a:solidFill>
+          <a:ln>
+            <a:solidFill>
+              <a:schemeClr val="bg1">
+                <a:lumMod val="50000"/>
+              </a:schemeClr>
+            </a:solidFill>
+          </a:ln>
+        </p:spPr>
+        <p:style>
+          <a:lnRef idx="2">
+            <a:schemeClr val="accent1">
+              <a:shade val="50000"/>
+            </a:schemeClr>
+          </a:lnRef>
+          <a:fillRef idx="1">
+            <a:schemeClr val="accent1"/>
+          </a:fillRef>
+          <a:effectRef idx="0">
+            <a:schemeClr val="accent1"/>
+          </a:effectRef>
+          <a:fontRef idx="minor">
+            <a:schemeClr val="lt1"/>
+          </a:fontRef>
+        </p:style>
+        <p:txBody>
+          <a:bodyPr rtlCol="0" anchor="ctr"/>
+          <a:lstStyle/>
+          <a:p>
+            <a:pPr algn="ctr"/>
+            <a:r>
+              <a:rPr lang="en-US" dirty="0" err="1" smtClean="0">
+                <a:solidFill>
+                  <a:schemeClr val="tx1"/>
+                </a:solidFill>
+              </a:rPr>
+              <a:t>Kolla</a:t>
+            </a:r>
+            <a:r>
+              <a:rPr lang="en-US" dirty="0" smtClean="0">
+                <a:solidFill>
+                  <a:schemeClr val="tx1"/>
+                </a:solidFill>
+              </a:rPr>
+              <a:t> </a:t>
+            </a:r>
+            <a:r>
+              <a:rPr lang="en-US" dirty="0" err="1" smtClean="0">
+                <a:solidFill>
+                  <a:schemeClr val="tx1"/>
+                </a:solidFill>
+              </a:rPr>
+              <a:t>gällande</a:t>
+            </a:r>
+            <a:r>
+              <a:rPr lang="en-US" dirty="0" smtClean="0">
+                <a:solidFill>
+                  <a:schemeClr val="tx1"/>
+                </a:solidFill>
+              </a:rPr>
+              <a:t> </a:t>
+            </a:r>
+            <a:r>
+              <a:rPr lang="en-US" dirty="0" err="1" smtClean="0">
+                <a:solidFill>
+                  <a:schemeClr val="tx1"/>
+                </a:solidFill>
+              </a:rPr>
+              <a:t>regler</a:t>
+            </a:r>
+            <a:r>
+              <a:rPr lang="en-US" dirty="0" smtClean="0">
+                <a:solidFill>
+                  <a:schemeClr val="tx1"/>
+                </a:solidFill>
+              </a:rPr>
+              <a:t> </a:t>
+            </a:r>
+            <a:r>
+              <a:rPr lang="en-US" dirty="0" err="1" smtClean="0">
+                <a:solidFill>
+                  <a:schemeClr val="tx1"/>
+                </a:solidFill>
+              </a:rPr>
+              <a:t>i</a:t>
+            </a:r>
+            <a:r>
+              <a:rPr lang="en-US" dirty="0" smtClean="0">
+                <a:solidFill>
+                  <a:schemeClr val="tx1"/>
+                </a:solidFill>
+              </a:rPr>
+              <a:t> </a:t>
+            </a:r>
+            <a:r>
+              <a:rPr lang="en-US" dirty="0" err="1" smtClean="0">
+                <a:solidFill>
+                  <a:schemeClr val="tx1"/>
+                </a:solidFill>
+              </a:rPr>
+              <a:t>området</a:t>
+            </a:r>
+            <a:r>
+              <a:rPr lang="en-US" dirty="0" smtClean="0">
+                <a:solidFill>
+                  <a:schemeClr val="tx1"/>
+                </a:solidFill>
+              </a:rPr>
+              <a:t> mot </a:t>
+            </a:r>
+            <a:r>
+              <a:rPr lang="en-US" dirty="0" err="1" smtClean="0">
+                <a:solidFill>
+                  <a:schemeClr val="tx1"/>
+                </a:solidFill>
+              </a:rPr>
+              <a:t>byggnaden</a:t>
+            </a:r>
+            <a:endParaRPr lang="en-US" dirty="0">
+              <a:solidFill>
+                <a:schemeClr val="tx1"/>
+              </a:solidFill>
+            </a:endParaRPr>
+          </a:p>
+        </p:txBody>
+      </p:sp>
+      <p:cxnSp>
+        <p:nvCxnSpPr>
+          <p:cNvPr id="4" name="Straight Arrow Connector 3"/>
+          <p:cNvCxnSpPr>
+            <a:stCxn id="2" idx="3"/>
+            <a:endCxn id="13" idx="1"/>
+          </p:cNvCxnSpPr>
+          <p:nvPr/>
+        </p:nvCxnSpPr>
+        <p:spPr>
+          <a:xfrm>
+            <a:off x="2006378" y="3361090"/>
+            <a:ext cx="481385" cy="422662"/>
+          </a:xfrm>
+          <a:prstGeom prst="straightConnector1">
+            <a:avLst/>
+          </a:prstGeom>
+          <a:ln w="19050">
+            <a:solidFill>
+              <a:schemeClr val="bg1">
+                <a:lumMod val="50000"/>
+              </a:schemeClr>
+            </a:solidFill>
+            <a:tailEnd type="arrow"/>
+          </a:ln>
+        </p:spPr>
+        <p:style>
+          <a:lnRef idx="1">
+            <a:schemeClr val="accent1"/>
+          </a:lnRef>
+          <a:fillRef idx="0">
+            <a:schemeClr val="accent1"/>
+          </a:fillRef>
+          <a:effectRef idx="0">
+            <a:schemeClr val="accent1"/>
+          </a:effectRef>
+          <a:fontRef idx="minor">
+            <a:schemeClr val="tx1"/>
+          </a:fontRef>
+        </p:style>
+      </p:cxnSp>
+      <p:cxnSp>
+        <p:nvCxnSpPr>
+          <p:cNvPr id="15" name="Straight Arrow Connector 14"/>
+          <p:cNvCxnSpPr>
+            <a:stCxn id="12" idx="3"/>
+            <a:endCxn id="13" idx="1"/>
+          </p:cNvCxnSpPr>
+          <p:nvPr/>
+        </p:nvCxnSpPr>
+        <p:spPr>
+          <a:xfrm flipV="1">
+            <a:off x="2006378" y="3783752"/>
+            <a:ext cx="481385" cy="588853"/>
+          </a:xfrm>
+          <a:prstGeom prst="straightConnector1">
+            <a:avLst/>
+          </a:prstGeom>
+          <a:ln w="19050">
+            <a:solidFill>
+              <a:schemeClr val="bg1">
+                <a:lumMod val="50000"/>
+              </a:schemeClr>
+            </a:solidFill>
+            <a:tailEnd type="arrow"/>
+          </a:ln>
+        </p:spPr>
+        <p:style>
+          <a:lnRef idx="1">
+            <a:schemeClr val="accent1"/>
+          </a:lnRef>
+          <a:fillRef idx="0">
+            <a:schemeClr val="accent1"/>
+          </a:fillRef>
+          <a:effectRef idx="0">
+            <a:schemeClr val="accent1"/>
+          </a:effectRef>
+          <a:fontRef idx="minor">
+            <a:schemeClr val="tx1"/>
+          </a:fontRef>
+        </p:style>
+      </p:cxnSp>
+      <p:cxnSp>
+        <p:nvCxnSpPr>
+          <p:cNvPr id="19" name="Straight Arrow Connector 18"/>
+          <p:cNvCxnSpPr>
+            <a:stCxn id="13" idx="3"/>
+            <a:endCxn id="14" idx="1"/>
+          </p:cNvCxnSpPr>
+          <p:nvPr/>
+        </p:nvCxnSpPr>
+        <p:spPr>
+          <a:xfrm>
+            <a:off x="4431979" y="3783752"/>
+            <a:ext cx="420395" cy="4803"/>
+          </a:xfrm>
+          <a:prstGeom prst="straightConnector1">
+            <a:avLst/>
+          </a:prstGeom>
+          <a:ln w="19050">
+            <a:solidFill>
+              <a:schemeClr val="bg1">
+                <a:lumMod val="50000"/>
+              </a:schemeClr>
+            </a:solidFill>
+            <a:tailEnd type="arrow"/>
+          </a:ln>
+        </p:spPr>
+        <p:style>
+          <a:lnRef idx="1">
+            <a:schemeClr val="accent1"/>
+          </a:lnRef>
+          <a:fillRef idx="0">
+            <a:schemeClr val="accent1"/>
+          </a:fillRef>
+          <a:effectRef idx="0">
+            <a:schemeClr val="accent1"/>
+          </a:effectRef>
+          <a:fontRef idx="minor">
+            <a:schemeClr val="tx1"/>
+          </a:fontRef>
+        </p:style>
+      </p:cxnSp>
+      <p:sp>
+        <p:nvSpPr>
+          <p:cNvPr id="27" name="Rectangle 26"/>
+          <p:cNvSpPr/>
+          <p:nvPr/>
+        </p:nvSpPr>
+        <p:spPr>
+          <a:xfrm>
+            <a:off x="7164288" y="3168112"/>
+            <a:ext cx="1944216" cy="1240885"/>
+          </a:xfrm>
+          <a:prstGeom prst="rect">
+            <a:avLst/>
+          </a:prstGeom>
+          <a:solidFill>
+            <a:schemeClr val="bg1">
+              <a:lumMod val="95000"/>
+            </a:schemeClr>
+          </a:solidFill>
+          <a:ln>
+            <a:solidFill>
+              <a:schemeClr val="bg1">
+                <a:lumMod val="50000"/>
+              </a:schemeClr>
+            </a:solidFill>
+          </a:ln>
+        </p:spPr>
+        <p:style>
+          <a:lnRef idx="2">
+            <a:schemeClr val="accent1">
+              <a:shade val="50000"/>
+            </a:schemeClr>
+          </a:lnRef>
+          <a:fillRef idx="1">
+            <a:schemeClr val="accent1"/>
+          </a:fillRef>
+          <a:effectRef idx="0">
+            <a:schemeClr val="accent1"/>
+          </a:effectRef>
+          <a:fontRef idx="minor">
+            <a:schemeClr val="lt1"/>
+          </a:fontRef>
+        </p:style>
+        <p:txBody>
+          <a:bodyPr rtlCol="0" anchor="ctr"/>
+          <a:lstStyle/>
+          <a:p>
+            <a:pPr algn="ctr"/>
+            <a:r>
+              <a:rPr lang="en-US" dirty="0" err="1" smtClean="0">
+                <a:solidFill>
+                  <a:schemeClr val="tx1"/>
+                </a:solidFill>
+              </a:rPr>
+              <a:t>Resultat</a:t>
+            </a:r>
+            <a:r>
+              <a:rPr lang="en-US" dirty="0" smtClean="0">
+                <a:solidFill>
+                  <a:schemeClr val="tx1"/>
+                </a:solidFill>
+              </a:rPr>
+              <a:t>:</a:t>
+            </a:r>
+          </a:p>
+          <a:p>
+            <a:pPr algn="ctr"/>
+            <a:r>
+              <a:rPr lang="en-US" dirty="0" err="1" smtClean="0">
+                <a:solidFill>
+                  <a:schemeClr val="tx1"/>
+                </a:solidFill>
+              </a:rPr>
+              <a:t>Visuellt</a:t>
+            </a:r>
+            <a:r>
+              <a:rPr lang="en-US" dirty="0" smtClean="0">
+                <a:solidFill>
+                  <a:schemeClr val="tx1"/>
+                </a:solidFill>
+              </a:rPr>
+              <a:t> </a:t>
+            </a:r>
+            <a:r>
+              <a:rPr lang="en-US" dirty="0" err="1" smtClean="0">
+                <a:solidFill>
+                  <a:schemeClr val="tx1"/>
+                </a:solidFill>
+              </a:rPr>
+              <a:t>i</a:t>
+            </a:r>
+            <a:r>
+              <a:rPr lang="en-US" dirty="0" smtClean="0">
+                <a:solidFill>
+                  <a:schemeClr val="tx1"/>
+                </a:solidFill>
+              </a:rPr>
+              <a:t> FME</a:t>
+            </a:r>
+          </a:p>
+          <a:p>
+            <a:pPr algn="ctr"/>
+            <a:r>
+              <a:rPr lang="en-US" dirty="0" smtClean="0">
+                <a:solidFill>
+                  <a:schemeClr val="tx1"/>
+                </a:solidFill>
+              </a:rPr>
+              <a:t>Rapport </a:t>
+            </a:r>
+            <a:r>
+              <a:rPr lang="en-US" dirty="0" err="1" smtClean="0">
+                <a:solidFill>
+                  <a:schemeClr val="tx1"/>
+                </a:solidFill>
+              </a:rPr>
+              <a:t>i</a:t>
+            </a:r>
+            <a:r>
+              <a:rPr lang="en-US" dirty="0" smtClean="0">
+                <a:solidFill>
+                  <a:schemeClr val="tx1"/>
+                </a:solidFill>
+              </a:rPr>
+              <a:t> Excel</a:t>
+            </a:r>
+            <a:endParaRPr lang="en-US" dirty="0">
+              <a:solidFill>
+                <a:schemeClr val="tx1"/>
+              </a:solidFill>
+            </a:endParaRPr>
+          </a:p>
+        </p:txBody>
+      </p:sp>
+      <p:cxnSp>
+        <p:nvCxnSpPr>
+          <p:cNvPr id="28" name="Straight Arrow Connector 27"/>
+          <p:cNvCxnSpPr/>
+          <p:nvPr/>
+        </p:nvCxnSpPr>
+        <p:spPr>
+          <a:xfrm>
+            <a:off x="6781678" y="3789040"/>
+            <a:ext cx="420395" cy="4803"/>
+          </a:xfrm>
+          <a:prstGeom prst="straightConnector1">
+            <a:avLst/>
+          </a:prstGeom>
+          <a:ln w="19050">
+            <a:solidFill>
+              <a:schemeClr val="bg1">
+                <a:lumMod val="50000"/>
+              </a:schemeClr>
+            </a:solidFill>
+            <a:tailEnd type="arrow"/>
+          </a:ln>
+        </p:spPr>
+        <p:style>
+          <a:lnRef idx="1">
+            <a:schemeClr val="accent1"/>
+          </a:lnRef>
+          <a:fillRef idx="0">
+            <a:schemeClr val="accent1"/>
+          </a:fillRef>
+          <a:effectRef idx="0">
+            <a:schemeClr val="accent1"/>
+          </a:effectRef>
+          <a:fontRef idx="minor">
+            <a:schemeClr val="tx1"/>
+          </a:fontRef>
+        </p:style>
+      </p:cxnSp>
+    </p:spTree>
+    <p:extLst>
+      <p:ext uri="{BB962C8B-B14F-4D97-AF65-F5344CB8AC3E}">
+        <p14:creationId xmlns:p14="http://schemas.microsoft.com/office/powerpoint/2010/main" val="1186620507"/>
+      </p:ext>
+    </p:extLst>
+  </p:cSld>
+  <p:clrMapOvr>
+    <a:masterClrMapping/>
+  </p:clrMapOvr>
+</p:sld>
+</file>
+
+<file path=ppt/slides/slide2.xml><?xml version="1.0" encoding="utf-8"?>
+<p:sld xmlns:a="http://schemas.openxmlformats.org/drawingml/2006/main" xmlns:r="http://schemas.openxmlformats.org/officeDocument/2006/relationships" xmlns:p="http://schemas.openxmlformats.org/presentationml/2006/main">
+  <p:cSld>
+    <p:spTree>
+      <p:nvGrpSpPr>
+        <p:cNvPr id="1" name=""/>
+        <p:cNvGrpSpPr/>
+        <p:nvPr/>
+      </p:nvGrpSpPr>
+      <p:grpSpPr>
+        <a:xfrm>
+          <a:off x="0" y="0"/>
+          <a:ext cx="0" cy="0"/>
+          <a:chOff x="0" y="0"/>
+          <a:chExt cx="0" cy="0"/>
+        </a:xfrm>
+      </p:grpSpPr>
       <p:pic>
         <p:nvPicPr>
           <p:cNvPr id="1026" name="Picture 2"/>
@@ -3355,7 +4324,7 @@
     </p:spTree>
     <p:extLst>
       <p:ext uri="{BB962C8B-B14F-4D97-AF65-F5344CB8AC3E}">
-        <p14:creationId xmlns:p14="http://schemas.microsoft.com/office/powerpoint/2010/main" val="2582978120"/>
+        <p14:creationId xmlns:p14="http://schemas.microsoft.com/office/powerpoint/2010/main" val="640811477"/>
       </p:ext>
     </p:extLst>
   </p:cSld>
@@ -3365,7 +4334,7 @@
 </p:sld>
 </file>
 
-<file path=ppt/slides/slide2.xml><?xml version="1.0" encoding="utf-8"?>
+<file path=ppt/slides/slide3.xml><?xml version="1.0" encoding="utf-8"?>
 <p:sld xmlns:a="http://schemas.openxmlformats.org/drawingml/2006/main" xmlns:r="http://schemas.openxmlformats.org/officeDocument/2006/relationships" xmlns:p="http://schemas.openxmlformats.org/presentationml/2006/main">
   <p:cSld>
     <p:spTree>
@@ -3532,7 +4501,7 @@
 </p:sld>
 </file>
 
-<file path=ppt/slides/slide3.xml><?xml version="1.0" encoding="utf-8"?>
+<file path=ppt/slides/slide4.xml><?xml version="1.0" encoding="utf-8"?>
 <p:sld xmlns:a="http://schemas.openxmlformats.org/drawingml/2006/main" xmlns:r="http://schemas.openxmlformats.org/officeDocument/2006/relationships" xmlns:p="http://schemas.openxmlformats.org/presentationml/2006/main">
   <p:cSld>
     <p:spTree>
@@ -3944,244 +4913,6 @@
     <p:extLst>
       <p:ext uri="{BB962C8B-B14F-4D97-AF65-F5344CB8AC3E}">
         <p14:creationId xmlns:p14="http://schemas.microsoft.com/office/powerpoint/2010/main" val="2392911814"/>
-      </p:ext>
-    </p:extLst>
-  </p:cSld>
-  <p:clrMapOvr>
-    <a:masterClrMapping/>
-  </p:clrMapOvr>
-</p:sld>
-</file>
-
-<file path=ppt/slides/slide4.xml><?xml version="1.0" encoding="utf-8"?>
-<p:sld xmlns:a="http://schemas.openxmlformats.org/drawingml/2006/main" xmlns:r="http://schemas.openxmlformats.org/officeDocument/2006/relationships" xmlns:p="http://schemas.openxmlformats.org/presentationml/2006/main">
-  <p:cSld>
-    <p:spTree>
-      <p:nvGrpSpPr>
-        <p:cNvPr id="1" name=""/>
-        <p:cNvGrpSpPr/>
-        <p:nvPr/>
-      </p:nvGrpSpPr>
-      <p:grpSpPr>
-        <a:xfrm>
-          <a:off x="0" y="0"/>
-          <a:ext cx="0" cy="0"/>
-          <a:chOff x="0" y="0"/>
-          <a:chExt cx="0" cy="0"/>
-        </a:xfrm>
-      </p:grpSpPr>
-      <p:pic>
-        <p:nvPicPr>
-          <p:cNvPr id="4099" name="Picture 3"/>
-          <p:cNvPicPr>
-            <a:picLocks noChangeAspect="1" noChangeArrowheads="1"/>
-          </p:cNvPicPr>
-          <p:nvPr/>
-        </p:nvPicPr>
-        <p:blipFill>
-          <a:blip r:embed="rId2">
-            <a:extLst>
-              <a:ext uri="{28A0092B-C50C-407E-A947-70E740481C1C}">
-                <a14:useLocalDpi xmlns:a14="http://schemas.microsoft.com/office/drawing/2010/main" val="0"/>
-              </a:ext>
-            </a:extLst>
-          </a:blip>
-          <a:srcRect/>
-          <a:stretch>
-            <a:fillRect/>
-          </a:stretch>
-        </p:blipFill>
-        <p:spPr bwMode="auto">
-          <a:xfrm>
-            <a:off x="-1400" y="2132856"/>
-            <a:ext cx="9144000" cy="4187558"/>
-          </a:xfrm>
-          <a:prstGeom prst="rect">
-            <a:avLst/>
-          </a:prstGeom>
-          <a:noFill/>
-          <a:ln>
-            <a:noFill/>
-          </a:ln>
-          <a:extLst>
-            <a:ext uri="{909E8E84-426E-40DD-AFC4-6F175D3DCCD1}">
-              <a14:hiddenFill xmlns:a14="http://schemas.microsoft.com/office/drawing/2010/main">
-                <a:solidFill>
-                  <a:schemeClr val="accent1"/>
-                </a:solidFill>
-              </a14:hiddenFill>
-            </a:ext>
-            <a:ext uri="{91240B29-F687-4F45-9708-019B960494DF}">
-              <a14:hiddenLine xmlns:a14="http://schemas.microsoft.com/office/drawing/2010/main" w="9525">
-                <a:solidFill>
-                  <a:schemeClr val="tx1"/>
-                </a:solidFill>
-                <a:miter lim="800000"/>
-                <a:headEnd/>
-                <a:tailEnd/>
-              </a14:hiddenLine>
-            </a:ext>
-          </a:extLst>
-        </p:spPr>
-      </p:pic>
-      <p:sp>
-        <p:nvSpPr>
-          <p:cNvPr id="6" name="TextBox 5"/>
-          <p:cNvSpPr txBox="1"/>
-          <p:nvPr/>
-        </p:nvSpPr>
-        <p:spPr>
-          <a:xfrm>
-            <a:off x="0" y="332656"/>
-            <a:ext cx="9144000" cy="584775"/>
-          </a:xfrm>
-          <a:prstGeom prst="rect">
-            <a:avLst/>
-          </a:prstGeom>
-          <a:noFill/>
-        </p:spPr>
-        <p:txBody>
-          <a:bodyPr wrap="square" rtlCol="0">
-            <a:spAutoFit/>
-          </a:bodyPr>
-          <a:lstStyle/>
-          <a:p>
-            <a:pPr algn="ctr"/>
-            <a:r>
-              <a:rPr lang="en-US" sz="3200" dirty="0" err="1" smtClean="0"/>
-              <a:t>Området</a:t>
-            </a:r>
-            <a:r>
-              <a:rPr lang="en-US" sz="3200" dirty="0"/>
-              <a:t> </a:t>
-            </a:r>
-            <a:r>
-              <a:rPr lang="en-US" sz="3200" dirty="0" err="1" smtClean="0"/>
-              <a:t>i</a:t>
-            </a:r>
-            <a:r>
-              <a:rPr lang="en-US" sz="3200" dirty="0" smtClean="0"/>
-              <a:t> </a:t>
-            </a:r>
-            <a:r>
-              <a:rPr lang="en-US" sz="3200" dirty="0" err="1" smtClean="0"/>
-              <a:t>detaljplanen</a:t>
-            </a:r>
-            <a:r>
-              <a:rPr lang="en-US" sz="3200" dirty="0" smtClean="0"/>
-              <a:t> </a:t>
-            </a:r>
-            <a:r>
-              <a:rPr lang="en-US" sz="3200" dirty="0" err="1" smtClean="0"/>
-              <a:t>och</a:t>
-            </a:r>
-            <a:r>
-              <a:rPr lang="en-US" sz="3200" dirty="0" smtClean="0"/>
-              <a:t> </a:t>
-            </a:r>
-            <a:r>
-              <a:rPr lang="en-US" sz="3200" dirty="0" err="1" smtClean="0"/>
-              <a:t>gällande</a:t>
-            </a:r>
-            <a:r>
-              <a:rPr lang="en-US" sz="3200" dirty="0" smtClean="0"/>
-              <a:t> </a:t>
-            </a:r>
-            <a:r>
-              <a:rPr lang="en-US" sz="3200" dirty="0" err="1" smtClean="0"/>
-              <a:t>bestämmelser</a:t>
-            </a:r>
-            <a:endParaRPr lang="en-US" sz="3200" dirty="0" smtClean="0"/>
-          </a:p>
-        </p:txBody>
-      </p:sp>
-      <p:sp>
-        <p:nvSpPr>
-          <p:cNvPr id="7" name="TextBox 6"/>
-          <p:cNvSpPr txBox="1"/>
-          <p:nvPr/>
-        </p:nvSpPr>
-        <p:spPr>
-          <a:xfrm>
-            <a:off x="1043608" y="1206273"/>
-            <a:ext cx="7272808" cy="369332"/>
-          </a:xfrm>
-          <a:prstGeom prst="rect">
-            <a:avLst/>
-          </a:prstGeom>
-          <a:noFill/>
-        </p:spPr>
-        <p:txBody>
-          <a:bodyPr wrap="square" rtlCol="0">
-            <a:spAutoFit/>
-          </a:bodyPr>
-          <a:lstStyle/>
-          <a:p>
-            <a:pPr algn="ctr"/>
-            <a:r>
-              <a:rPr lang="en-US" dirty="0" err="1" smtClean="0"/>
-              <a:t>Bestämmelserna</a:t>
-            </a:r>
-            <a:r>
-              <a:rPr lang="en-US" dirty="0" smtClean="0"/>
-              <a:t> </a:t>
-            </a:r>
-            <a:r>
-              <a:rPr lang="en-US" dirty="0" err="1" smtClean="0"/>
-              <a:t>i</a:t>
-            </a:r>
-            <a:r>
-              <a:rPr lang="en-US" dirty="0" smtClean="0"/>
-              <a:t> </a:t>
-            </a:r>
-            <a:r>
-              <a:rPr lang="en-US" dirty="0" err="1" smtClean="0"/>
-              <a:t>detaljplanen</a:t>
-            </a:r>
-            <a:r>
-              <a:rPr lang="en-US" dirty="0" smtClean="0"/>
-              <a:t> ligger </a:t>
-            </a:r>
-            <a:r>
-              <a:rPr lang="en-US" dirty="0" err="1" smtClean="0"/>
-              <a:t>som</a:t>
-            </a:r>
-            <a:r>
-              <a:rPr lang="en-US" dirty="0" smtClean="0"/>
-              <a:t> </a:t>
-            </a:r>
-            <a:r>
-              <a:rPr lang="en-US" dirty="0" err="1" smtClean="0"/>
-              <a:t>attribut</a:t>
-            </a:r>
-            <a:r>
-              <a:rPr lang="en-US" dirty="0" smtClean="0"/>
-              <a:t> </a:t>
-            </a:r>
-            <a:r>
-              <a:rPr lang="en-US" dirty="0" err="1" smtClean="0"/>
-              <a:t>kopplade</a:t>
-            </a:r>
-            <a:r>
-              <a:rPr lang="en-US" dirty="0" smtClean="0"/>
-              <a:t> till </a:t>
-            </a:r>
-            <a:r>
-              <a:rPr lang="en-US" dirty="0" err="1" smtClean="0"/>
-              <a:t>området</a:t>
-            </a:r>
-            <a:r>
-              <a:rPr lang="en-US" dirty="0" smtClean="0"/>
-              <a:t>.</a:t>
-            </a:r>
-            <a:endParaRPr lang="en-US" dirty="0"/>
-          </a:p>
-        </p:txBody>
-      </p:sp>
-    </p:spTree>
-    <p:extLst>
-      <p:ext uri="{BB962C8B-B14F-4D97-AF65-F5344CB8AC3E}">
-        <p14:creationId xmlns:p14="http://schemas.microsoft.com/office/powerpoint/2010/main" val="1408001835"/>
       </p:ext>
     </p:extLst>
   </p:cSld>
@@ -4335,6 +5066,244 @@
       </p:sp>
       <p:sp>
         <p:nvSpPr>
+          <p:cNvPr id="7" name="TextBox 6"/>
+          <p:cNvSpPr txBox="1"/>
+          <p:nvPr/>
+        </p:nvSpPr>
+        <p:spPr>
+          <a:xfrm>
+            <a:off x="1043608" y="1206273"/>
+            <a:ext cx="7272808" cy="369332"/>
+          </a:xfrm>
+          <a:prstGeom prst="rect">
+            <a:avLst/>
+          </a:prstGeom>
+          <a:noFill/>
+        </p:spPr>
+        <p:txBody>
+          <a:bodyPr wrap="square" rtlCol="0">
+            <a:spAutoFit/>
+          </a:bodyPr>
+          <a:lstStyle/>
+          <a:p>
+            <a:pPr algn="ctr"/>
+            <a:r>
+              <a:rPr lang="en-US" dirty="0" err="1" smtClean="0"/>
+              <a:t>Bestämmelserna</a:t>
+            </a:r>
+            <a:r>
+              <a:rPr lang="en-US" dirty="0" smtClean="0"/>
+              <a:t> </a:t>
+            </a:r>
+            <a:r>
+              <a:rPr lang="en-US" dirty="0" err="1" smtClean="0"/>
+              <a:t>i</a:t>
+            </a:r>
+            <a:r>
+              <a:rPr lang="en-US" dirty="0" smtClean="0"/>
+              <a:t> </a:t>
+            </a:r>
+            <a:r>
+              <a:rPr lang="en-US" dirty="0" err="1" smtClean="0"/>
+              <a:t>detaljplanen</a:t>
+            </a:r>
+            <a:r>
+              <a:rPr lang="en-US" dirty="0" smtClean="0"/>
+              <a:t> ligger </a:t>
+            </a:r>
+            <a:r>
+              <a:rPr lang="en-US" dirty="0" err="1" smtClean="0"/>
+              <a:t>som</a:t>
+            </a:r>
+            <a:r>
+              <a:rPr lang="en-US" dirty="0" smtClean="0"/>
+              <a:t> </a:t>
+            </a:r>
+            <a:r>
+              <a:rPr lang="en-US" dirty="0" err="1" smtClean="0"/>
+              <a:t>attribut</a:t>
+            </a:r>
+            <a:r>
+              <a:rPr lang="en-US" dirty="0" smtClean="0"/>
+              <a:t> </a:t>
+            </a:r>
+            <a:r>
+              <a:rPr lang="en-US" dirty="0" err="1" smtClean="0"/>
+              <a:t>kopplade</a:t>
+            </a:r>
+            <a:r>
+              <a:rPr lang="en-US" dirty="0" smtClean="0"/>
+              <a:t> till </a:t>
+            </a:r>
+            <a:r>
+              <a:rPr lang="en-US" dirty="0" err="1" smtClean="0"/>
+              <a:t>området</a:t>
+            </a:r>
+            <a:r>
+              <a:rPr lang="en-US" dirty="0" smtClean="0"/>
+              <a:t>.</a:t>
+            </a:r>
+            <a:endParaRPr lang="en-US" dirty="0"/>
+          </a:p>
+        </p:txBody>
+      </p:sp>
+    </p:spTree>
+    <p:extLst>
+      <p:ext uri="{BB962C8B-B14F-4D97-AF65-F5344CB8AC3E}">
+        <p14:creationId xmlns:p14="http://schemas.microsoft.com/office/powerpoint/2010/main" val="1408001835"/>
+      </p:ext>
+    </p:extLst>
+  </p:cSld>
+  <p:clrMapOvr>
+    <a:masterClrMapping/>
+  </p:clrMapOvr>
+</p:sld>
+</file>
+
+<file path=ppt/slides/slide6.xml><?xml version="1.0" encoding="utf-8"?>
+<p:sld xmlns:a="http://schemas.openxmlformats.org/drawingml/2006/main" xmlns:r="http://schemas.openxmlformats.org/officeDocument/2006/relationships" xmlns:p="http://schemas.openxmlformats.org/presentationml/2006/main">
+  <p:cSld>
+    <p:spTree>
+      <p:nvGrpSpPr>
+        <p:cNvPr id="1" name=""/>
+        <p:cNvGrpSpPr/>
+        <p:nvPr/>
+      </p:nvGrpSpPr>
+      <p:grpSpPr>
+        <a:xfrm>
+          <a:off x="0" y="0"/>
+          <a:ext cx="0" cy="0"/>
+          <a:chOff x="0" y="0"/>
+          <a:chExt cx="0" cy="0"/>
+        </a:xfrm>
+      </p:grpSpPr>
+      <p:pic>
+        <p:nvPicPr>
+          <p:cNvPr id="4099" name="Picture 3"/>
+          <p:cNvPicPr>
+            <a:picLocks noChangeAspect="1" noChangeArrowheads="1"/>
+          </p:cNvPicPr>
+          <p:nvPr/>
+        </p:nvPicPr>
+        <p:blipFill>
+          <a:blip r:embed="rId2">
+            <a:extLst>
+              <a:ext uri="{28A0092B-C50C-407E-A947-70E740481C1C}">
+                <a14:useLocalDpi xmlns:a14="http://schemas.microsoft.com/office/drawing/2010/main" val="0"/>
+              </a:ext>
+            </a:extLst>
+          </a:blip>
+          <a:srcRect/>
+          <a:stretch>
+            <a:fillRect/>
+          </a:stretch>
+        </p:blipFill>
+        <p:spPr bwMode="auto">
+          <a:xfrm>
+            <a:off x="-1400" y="2132856"/>
+            <a:ext cx="9144000" cy="4187558"/>
+          </a:xfrm>
+          <a:prstGeom prst="rect">
+            <a:avLst/>
+          </a:prstGeom>
+          <a:noFill/>
+          <a:ln>
+            <a:noFill/>
+          </a:ln>
+          <a:extLst>
+            <a:ext uri="{909E8E84-426E-40DD-AFC4-6F175D3DCCD1}">
+              <a14:hiddenFill xmlns:a14="http://schemas.microsoft.com/office/drawing/2010/main">
+                <a:solidFill>
+                  <a:schemeClr val="accent1"/>
+                </a:solidFill>
+              </a14:hiddenFill>
+            </a:ext>
+            <a:ext uri="{91240B29-F687-4F45-9708-019B960494DF}">
+              <a14:hiddenLine xmlns:a14="http://schemas.microsoft.com/office/drawing/2010/main" w="9525">
+                <a:solidFill>
+                  <a:schemeClr val="tx1"/>
+                </a:solidFill>
+                <a:miter lim="800000"/>
+                <a:headEnd/>
+                <a:tailEnd/>
+              </a14:hiddenLine>
+            </a:ext>
+          </a:extLst>
+        </p:spPr>
+      </p:pic>
+      <p:sp>
+        <p:nvSpPr>
+          <p:cNvPr id="6" name="TextBox 5"/>
+          <p:cNvSpPr txBox="1"/>
+          <p:nvPr/>
+        </p:nvSpPr>
+        <p:spPr>
+          <a:xfrm>
+            <a:off x="0" y="332656"/>
+            <a:ext cx="9144000" cy="584775"/>
+          </a:xfrm>
+          <a:prstGeom prst="rect">
+            <a:avLst/>
+          </a:prstGeom>
+          <a:noFill/>
+        </p:spPr>
+        <p:txBody>
+          <a:bodyPr wrap="square" rtlCol="0">
+            <a:spAutoFit/>
+          </a:bodyPr>
+          <a:lstStyle/>
+          <a:p>
+            <a:pPr algn="ctr"/>
+            <a:r>
+              <a:rPr lang="en-US" sz="3200" dirty="0" err="1" smtClean="0"/>
+              <a:t>Området</a:t>
+            </a:r>
+            <a:r>
+              <a:rPr lang="en-US" sz="3200" dirty="0"/>
+              <a:t> </a:t>
+            </a:r>
+            <a:r>
+              <a:rPr lang="en-US" sz="3200" dirty="0" err="1" smtClean="0"/>
+              <a:t>i</a:t>
+            </a:r>
+            <a:r>
+              <a:rPr lang="en-US" sz="3200" dirty="0" smtClean="0"/>
+              <a:t> </a:t>
+            </a:r>
+            <a:r>
+              <a:rPr lang="en-US" sz="3200" dirty="0" err="1" smtClean="0"/>
+              <a:t>detaljplanen</a:t>
+            </a:r>
+            <a:r>
+              <a:rPr lang="en-US" sz="3200" dirty="0" smtClean="0"/>
+              <a:t> </a:t>
+            </a:r>
+            <a:r>
+              <a:rPr lang="en-US" sz="3200" dirty="0" err="1" smtClean="0"/>
+              <a:t>och</a:t>
+            </a:r>
+            <a:r>
+              <a:rPr lang="en-US" sz="3200" dirty="0" smtClean="0"/>
+              <a:t> </a:t>
+            </a:r>
+            <a:r>
+              <a:rPr lang="en-US" sz="3200" dirty="0" err="1" smtClean="0"/>
+              <a:t>gällande</a:t>
+            </a:r>
+            <a:r>
+              <a:rPr lang="en-US" sz="3200" dirty="0" smtClean="0"/>
+              <a:t> </a:t>
+            </a:r>
+            <a:r>
+              <a:rPr lang="en-US" sz="3200" dirty="0" err="1" smtClean="0"/>
+              <a:t>bestämmelser</a:t>
+            </a:r>
+            <a:endParaRPr lang="en-US" sz="3200" dirty="0" smtClean="0"/>
+          </a:p>
+        </p:txBody>
+      </p:sp>
+      <p:sp>
+        <p:nvSpPr>
           <p:cNvPr id="2" name="TextBox 1"/>
           <p:cNvSpPr txBox="1"/>
           <p:nvPr/>
@@ -4938,7 +5907,7 @@
 </p:sld>
 </file>
 
-<file path=ppt/slides/slide6.xml><?xml version="1.0" encoding="utf-8"?>
+<file path=ppt/slides/slide7.xml><?xml version="1.0" encoding="utf-8"?>
 <p:sld xmlns:a="http://schemas.openxmlformats.org/drawingml/2006/main" xmlns:r="http://schemas.openxmlformats.org/officeDocument/2006/relationships" xmlns:p="http://schemas.openxmlformats.org/presentationml/2006/main">
   <p:cSld>
     <p:spTree>
@@ -5085,7 +6054,7 @@
 </p:sld>
 </file>
 
-<file path=ppt/slides/slide7.xml><?xml version="1.0" encoding="utf-8"?>
+<file path=ppt/slides/slide8.xml><?xml version="1.0" encoding="utf-8"?>
 <p:sld xmlns:a="http://schemas.openxmlformats.org/drawingml/2006/main" xmlns:r="http://schemas.openxmlformats.org/officeDocument/2006/relationships" xmlns:p="http://schemas.openxmlformats.org/presentationml/2006/main">
   <p:cSld>
     <p:spTree>
@@ -5452,7 +6421,7 @@
 </p:sld>
 </file>
 
-<file path=ppt/slides/slide8.xml><?xml version="1.0" encoding="utf-8"?>
+<file path=ppt/slides/slide9.xml><?xml version="1.0" encoding="utf-8"?>
 <p:sld xmlns:a="http://schemas.openxmlformats.org/drawingml/2006/main" xmlns:r="http://schemas.openxmlformats.org/officeDocument/2006/relationships" xmlns:p="http://schemas.openxmlformats.org/presentationml/2006/main">
   <p:cSld>
     <p:spTree>
@@ -5878,898 +6847,6 @@
     <p:extLst>
       <p:ext uri="{BB962C8B-B14F-4D97-AF65-F5344CB8AC3E}">
         <p14:creationId xmlns:p14="http://schemas.microsoft.com/office/powerpoint/2010/main" val="2830673693"/>
-      </p:ext>
-    </p:extLst>
-  </p:cSld>
-  <p:clrMapOvr>
-    <a:masterClrMapping/>
-  </p:clrMapOvr>
-</p:sld>
-</file>
-
-<file path=ppt/slides/slide9.xml><?xml version="1.0" encoding="utf-8"?>
-<p:sld xmlns:a="http://schemas.openxmlformats.org/drawingml/2006/main" xmlns:r="http://schemas.openxmlformats.org/officeDocument/2006/relationships" xmlns:p="http://schemas.openxmlformats.org/presentationml/2006/main">
-  <p:cSld>
-    <p:spTree>
-      <p:nvGrpSpPr>
-        <p:cNvPr id="1" name=""/>
-        <p:cNvGrpSpPr/>
-        <p:nvPr/>
-      </p:nvGrpSpPr>
-      <p:grpSpPr>
-        <a:xfrm>
-          <a:off x="0" y="0"/>
-          <a:ext cx="0" cy="0"/>
-          <a:chOff x="0" y="0"/>
-          <a:chExt cx="0" cy="0"/>
-        </a:xfrm>
-      </p:grpSpPr>
-      <p:sp>
-        <p:nvSpPr>
-          <p:cNvPr id="9" name="TextBox 8"/>
-          <p:cNvSpPr txBox="1"/>
-          <p:nvPr/>
-        </p:nvSpPr>
-        <p:spPr>
-          <a:xfrm>
-            <a:off x="0" y="332656"/>
-            <a:ext cx="9144000" cy="584775"/>
-          </a:xfrm>
-          <a:prstGeom prst="rect">
-            <a:avLst/>
-          </a:prstGeom>
-          <a:noFill/>
-        </p:spPr>
-        <p:txBody>
-          <a:bodyPr wrap="square" rtlCol="0">
-            <a:spAutoFit/>
-          </a:bodyPr>
-          <a:lstStyle/>
-          <a:p>
-            <a:pPr algn="ctr"/>
-            <a:r>
-              <a:rPr lang="en-US" sz="3200" dirty="0" err="1" smtClean="0"/>
-              <a:t>Kort</a:t>
-            </a:r>
-            <a:r>
-              <a:rPr lang="en-US" sz="3200" dirty="0" smtClean="0"/>
-              <a:t> summering </a:t>
-            </a:r>
-            <a:r>
-              <a:rPr lang="en-US" sz="3200" dirty="0" err="1" smtClean="0"/>
-              <a:t>av</a:t>
-            </a:r>
-            <a:r>
-              <a:rPr lang="en-US" sz="3200" dirty="0" smtClean="0"/>
-              <a:t> FME </a:t>
-            </a:r>
-            <a:r>
-              <a:rPr lang="en-US" sz="3200" dirty="0" err="1" smtClean="0"/>
-              <a:t>skriptet</a:t>
-            </a:r>
-            <a:endParaRPr lang="en-US" sz="3200" dirty="0" smtClean="0"/>
-          </a:p>
-        </p:txBody>
-      </p:sp>
-      <p:sp>
-        <p:nvSpPr>
-          <p:cNvPr id="2" name="Rectangle 1"/>
-          <p:cNvSpPr/>
-          <p:nvPr/>
-        </p:nvSpPr>
-        <p:spPr>
-          <a:xfrm>
-            <a:off x="62162" y="2929042"/>
-            <a:ext cx="1944216" cy="864096"/>
-          </a:xfrm>
-          <a:prstGeom prst="rect">
-            <a:avLst/>
-          </a:prstGeom>
-          <a:solidFill>
-            <a:schemeClr val="bg1">
-              <a:lumMod val="95000"/>
-            </a:schemeClr>
-          </a:solidFill>
-          <a:ln>
-            <a:solidFill>
-              <a:schemeClr val="bg1">
-                <a:lumMod val="50000"/>
-              </a:schemeClr>
-            </a:solidFill>
-          </a:ln>
-        </p:spPr>
-        <p:style>
-          <a:lnRef idx="2">
-            <a:schemeClr val="accent1">
-              <a:shade val="50000"/>
-            </a:schemeClr>
-          </a:lnRef>
-          <a:fillRef idx="1">
-            <a:schemeClr val="accent1"/>
-          </a:fillRef>
-          <a:effectRef idx="0">
-            <a:schemeClr val="accent1"/>
-          </a:effectRef>
-          <a:fontRef idx="minor">
-            <a:schemeClr val="lt1"/>
-          </a:fontRef>
-        </p:style>
-        <p:txBody>
-          <a:bodyPr rtlCol="0" anchor="ctr"/>
-          <a:lstStyle/>
-          <a:p>
-            <a:pPr algn="ctr"/>
-            <a:r>
-              <a:rPr lang="en-US" dirty="0" err="1" smtClean="0">
-                <a:solidFill>
-                  <a:schemeClr val="tx1"/>
-                </a:solidFill>
-              </a:rPr>
-              <a:t>Importera</a:t>
-            </a:r>
-            <a:r>
-              <a:rPr lang="en-US" dirty="0" smtClean="0">
-                <a:solidFill>
-                  <a:schemeClr val="tx1"/>
-                </a:solidFill>
-              </a:rPr>
-              <a:t> </a:t>
-            </a:r>
-            <a:r>
-              <a:rPr lang="en-US" dirty="0" err="1" smtClean="0">
-                <a:solidFill>
-                  <a:schemeClr val="tx1"/>
-                </a:solidFill>
-              </a:rPr>
-              <a:t>detaljplanen</a:t>
-            </a:r>
-            <a:endParaRPr lang="en-US" dirty="0" smtClean="0">
-              <a:solidFill>
-                <a:schemeClr val="tx1"/>
-              </a:solidFill>
-            </a:endParaRPr>
-          </a:p>
-          <a:p>
-            <a:pPr algn="ctr"/>
-            <a:r>
-              <a:rPr lang="en-US" dirty="0">
-                <a:solidFill>
-                  <a:schemeClr val="tx1"/>
-                </a:solidFill>
-              </a:rPr>
-              <a:t>(</a:t>
-            </a:r>
-            <a:r>
-              <a:rPr lang="en-US" dirty="0">
-                <a:solidFill>
-                  <a:schemeClr val="tx1"/>
-                </a:solidFill>
-              </a:rPr>
-              <a:t>SS </a:t>
-            </a:r>
-            <a:r>
-              <a:rPr lang="en-US" dirty="0">
-                <a:solidFill>
-                  <a:schemeClr val="tx1"/>
-                </a:solidFill>
-              </a:rPr>
-              <a:t>637040)</a:t>
-            </a:r>
-            <a:endParaRPr lang="en-US" dirty="0">
-              <a:solidFill>
-                <a:schemeClr val="tx1"/>
-              </a:solidFill>
-            </a:endParaRPr>
-          </a:p>
-        </p:txBody>
-      </p:sp>
-      <p:sp>
-        <p:nvSpPr>
-          <p:cNvPr id="12" name="Rectangle 11"/>
-          <p:cNvSpPr/>
-          <p:nvPr/>
-        </p:nvSpPr>
-        <p:spPr>
-          <a:xfrm>
-            <a:off x="62162" y="3940557"/>
-            <a:ext cx="1944216" cy="864096"/>
-          </a:xfrm>
-          <a:prstGeom prst="rect">
-            <a:avLst/>
-          </a:prstGeom>
-          <a:solidFill>
-            <a:schemeClr val="bg1">
-              <a:lumMod val="95000"/>
-            </a:schemeClr>
-          </a:solidFill>
-          <a:ln>
-            <a:solidFill>
-              <a:schemeClr val="bg1">
-                <a:lumMod val="50000"/>
-              </a:schemeClr>
-            </a:solidFill>
-          </a:ln>
-        </p:spPr>
-        <p:style>
-          <a:lnRef idx="2">
-            <a:schemeClr val="accent1">
-              <a:shade val="50000"/>
-            </a:schemeClr>
-          </a:lnRef>
-          <a:fillRef idx="1">
-            <a:schemeClr val="accent1"/>
-          </a:fillRef>
-          <a:effectRef idx="0">
-            <a:schemeClr val="accent1"/>
-          </a:effectRef>
-          <a:fontRef idx="minor">
-            <a:schemeClr val="lt1"/>
-          </a:fontRef>
-        </p:style>
-        <p:txBody>
-          <a:bodyPr rtlCol="0" anchor="ctr"/>
-          <a:lstStyle/>
-          <a:p>
-            <a:pPr algn="ctr"/>
-            <a:r>
-              <a:rPr lang="en-US" dirty="0" err="1" smtClean="0">
-                <a:solidFill>
-                  <a:schemeClr val="tx1"/>
-                </a:solidFill>
-              </a:rPr>
-              <a:t>Importera</a:t>
-            </a:r>
-            <a:r>
-              <a:rPr lang="en-US" dirty="0" smtClean="0">
-                <a:solidFill>
-                  <a:schemeClr val="tx1"/>
-                </a:solidFill>
-              </a:rPr>
-              <a:t> </a:t>
-            </a:r>
-            <a:r>
-              <a:rPr lang="en-US" dirty="0" err="1" smtClean="0">
-                <a:solidFill>
-                  <a:schemeClr val="tx1"/>
-                </a:solidFill>
-              </a:rPr>
-              <a:t>byggnadsmodellen</a:t>
-            </a:r>
-            <a:endParaRPr lang="en-US" dirty="0" smtClean="0">
-              <a:solidFill>
-                <a:schemeClr val="tx1"/>
-              </a:solidFill>
-            </a:endParaRPr>
-          </a:p>
-          <a:p>
-            <a:pPr algn="ctr"/>
-            <a:r>
-              <a:rPr lang="en-US" dirty="0" smtClean="0">
-                <a:solidFill>
-                  <a:schemeClr val="tx1"/>
-                </a:solidFill>
-              </a:rPr>
-              <a:t>(</a:t>
-            </a:r>
-            <a:r>
-              <a:rPr lang="en-US" dirty="0" err="1" smtClean="0">
-                <a:solidFill>
-                  <a:schemeClr val="tx1"/>
-                </a:solidFill>
-              </a:rPr>
-              <a:t>CityGML</a:t>
-            </a:r>
-            <a:r>
-              <a:rPr lang="en-US" dirty="0" smtClean="0">
-                <a:solidFill>
-                  <a:schemeClr val="tx1"/>
-                </a:solidFill>
-              </a:rPr>
-              <a:t> 3 ADE)</a:t>
-            </a:r>
-            <a:endParaRPr lang="en-US" dirty="0">
-              <a:solidFill>
-                <a:schemeClr val="tx1"/>
-              </a:solidFill>
-            </a:endParaRPr>
-          </a:p>
-        </p:txBody>
-      </p:sp>
-      <p:sp>
-        <p:nvSpPr>
-          <p:cNvPr id="13" name="Rectangle 12"/>
-          <p:cNvSpPr/>
-          <p:nvPr/>
-        </p:nvSpPr>
-        <p:spPr>
-          <a:xfrm>
-            <a:off x="2487763" y="3163309"/>
-            <a:ext cx="1944216" cy="1240885"/>
-          </a:xfrm>
-          <a:prstGeom prst="rect">
-            <a:avLst/>
-          </a:prstGeom>
-          <a:solidFill>
-            <a:schemeClr val="bg1">
-              <a:lumMod val="95000"/>
-            </a:schemeClr>
-          </a:solidFill>
-          <a:ln>
-            <a:solidFill>
-              <a:schemeClr val="bg1">
-                <a:lumMod val="50000"/>
-              </a:schemeClr>
-            </a:solidFill>
-          </a:ln>
-        </p:spPr>
-        <p:style>
-          <a:lnRef idx="2">
-            <a:schemeClr val="accent1">
-              <a:shade val="50000"/>
-            </a:schemeClr>
-          </a:lnRef>
-          <a:fillRef idx="1">
-            <a:schemeClr val="accent1"/>
-          </a:fillRef>
-          <a:effectRef idx="0">
-            <a:schemeClr val="accent1"/>
-          </a:effectRef>
-          <a:fontRef idx="minor">
-            <a:schemeClr val="lt1"/>
-          </a:fontRef>
-        </p:style>
-        <p:txBody>
-          <a:bodyPr rtlCol="0" anchor="ctr"/>
-          <a:lstStyle/>
-          <a:p>
-            <a:pPr algn="ctr"/>
-            <a:r>
-              <a:rPr lang="en-US" dirty="0" err="1" smtClean="0">
-                <a:solidFill>
-                  <a:schemeClr val="tx1"/>
-                </a:solidFill>
-              </a:rPr>
-              <a:t>Identifiera</a:t>
-            </a:r>
-            <a:r>
-              <a:rPr lang="en-US" dirty="0" smtClean="0">
-                <a:solidFill>
-                  <a:schemeClr val="tx1"/>
-                </a:solidFill>
-              </a:rPr>
-              <a:t> </a:t>
-            </a:r>
-            <a:r>
-              <a:rPr lang="en-US" dirty="0" err="1" smtClean="0">
-                <a:solidFill>
-                  <a:schemeClr val="tx1"/>
-                </a:solidFill>
-              </a:rPr>
-              <a:t>vilket</a:t>
-            </a:r>
-            <a:r>
-              <a:rPr lang="en-US" dirty="0" smtClean="0">
-                <a:solidFill>
-                  <a:schemeClr val="tx1"/>
-                </a:solidFill>
-              </a:rPr>
-              <a:t> </a:t>
-            </a:r>
-            <a:r>
-              <a:rPr lang="en-US" dirty="0" err="1" smtClean="0">
-                <a:solidFill>
-                  <a:schemeClr val="tx1"/>
-                </a:solidFill>
-              </a:rPr>
-              <a:t>område</a:t>
-            </a:r>
-            <a:r>
-              <a:rPr lang="en-US" dirty="0" smtClean="0">
-                <a:solidFill>
-                  <a:schemeClr val="tx1"/>
-                </a:solidFill>
-              </a:rPr>
-              <a:t> </a:t>
-            </a:r>
-            <a:r>
-              <a:rPr lang="en-US" dirty="0" err="1" smtClean="0">
-                <a:solidFill>
-                  <a:schemeClr val="tx1"/>
-                </a:solidFill>
-              </a:rPr>
-              <a:t>byggnadens</a:t>
-            </a:r>
-            <a:r>
-              <a:rPr lang="en-US" dirty="0" smtClean="0">
-                <a:solidFill>
-                  <a:schemeClr val="tx1"/>
-                </a:solidFill>
-              </a:rPr>
-              <a:t> </a:t>
-            </a:r>
-            <a:r>
-              <a:rPr lang="en-US" dirty="0" err="1" smtClean="0">
-                <a:solidFill>
-                  <a:schemeClr val="tx1"/>
-                </a:solidFill>
-              </a:rPr>
-              <a:t>bygglov</a:t>
-            </a:r>
-            <a:r>
-              <a:rPr lang="en-US" dirty="0" smtClean="0">
-                <a:solidFill>
-                  <a:schemeClr val="tx1"/>
-                </a:solidFill>
-              </a:rPr>
-              <a:t> </a:t>
-            </a:r>
-            <a:r>
-              <a:rPr lang="en-US" dirty="0" err="1" smtClean="0">
-                <a:solidFill>
-                  <a:schemeClr val="tx1"/>
-                </a:solidFill>
-              </a:rPr>
-              <a:t>avser</a:t>
-            </a:r>
-            <a:r>
-              <a:rPr lang="en-US" dirty="0" smtClean="0">
-                <a:solidFill>
-                  <a:schemeClr val="tx1"/>
-                </a:solidFill>
-              </a:rPr>
-              <a:t> </a:t>
-            </a:r>
-            <a:endParaRPr lang="en-US" dirty="0">
-              <a:solidFill>
-                <a:schemeClr val="tx1"/>
-              </a:solidFill>
-            </a:endParaRPr>
-          </a:p>
-        </p:txBody>
-      </p:sp>
-      <p:sp>
-        <p:nvSpPr>
-          <p:cNvPr id="14" name="Rectangle 13"/>
-          <p:cNvSpPr/>
-          <p:nvPr/>
-        </p:nvSpPr>
-        <p:spPr>
-          <a:xfrm>
-            <a:off x="4852374" y="3168112"/>
-            <a:ext cx="1944216" cy="1240885"/>
-          </a:xfrm>
-          <a:prstGeom prst="rect">
-            <a:avLst/>
-          </a:prstGeom>
-          <a:solidFill>
-            <a:schemeClr val="bg1">
-              <a:lumMod val="95000"/>
-            </a:schemeClr>
-          </a:solidFill>
-          <a:ln>
-            <a:solidFill>
-              <a:schemeClr val="bg1">
-                <a:lumMod val="50000"/>
-              </a:schemeClr>
-            </a:solidFill>
-          </a:ln>
-        </p:spPr>
-        <p:style>
-          <a:lnRef idx="2">
-            <a:schemeClr val="accent1">
-              <a:shade val="50000"/>
-            </a:schemeClr>
-          </a:lnRef>
-          <a:fillRef idx="1">
-            <a:schemeClr val="accent1"/>
-          </a:fillRef>
-          <a:effectRef idx="0">
-            <a:schemeClr val="accent1"/>
-          </a:effectRef>
-          <a:fontRef idx="minor">
-            <a:schemeClr val="lt1"/>
-          </a:fontRef>
-        </p:style>
-        <p:txBody>
-          <a:bodyPr rtlCol="0" anchor="ctr"/>
-          <a:lstStyle/>
-          <a:p>
-            <a:pPr algn="ctr"/>
-            <a:r>
-              <a:rPr lang="en-US" dirty="0" err="1" smtClean="0">
-                <a:solidFill>
-                  <a:schemeClr val="tx1"/>
-                </a:solidFill>
-              </a:rPr>
-              <a:t>Kolla</a:t>
-            </a:r>
-            <a:r>
-              <a:rPr lang="en-US" dirty="0" smtClean="0">
-                <a:solidFill>
-                  <a:schemeClr val="tx1"/>
-                </a:solidFill>
-              </a:rPr>
-              <a:t> </a:t>
-            </a:r>
-            <a:r>
-              <a:rPr lang="en-US" dirty="0" err="1" smtClean="0">
-                <a:solidFill>
-                  <a:schemeClr val="tx1"/>
-                </a:solidFill>
-              </a:rPr>
-              <a:t>gällande</a:t>
-            </a:r>
-            <a:r>
-              <a:rPr lang="en-US" dirty="0" smtClean="0">
-                <a:solidFill>
-                  <a:schemeClr val="tx1"/>
-                </a:solidFill>
-              </a:rPr>
-              <a:t> </a:t>
-            </a:r>
-            <a:r>
-              <a:rPr lang="en-US" dirty="0" err="1" smtClean="0">
-                <a:solidFill>
-                  <a:schemeClr val="tx1"/>
-                </a:solidFill>
-              </a:rPr>
-              <a:t>regler</a:t>
-            </a:r>
-            <a:r>
-              <a:rPr lang="en-US" dirty="0" smtClean="0">
-                <a:solidFill>
-                  <a:schemeClr val="tx1"/>
-                </a:solidFill>
-              </a:rPr>
-              <a:t> </a:t>
-            </a:r>
-            <a:r>
-              <a:rPr lang="en-US" dirty="0" err="1" smtClean="0">
-                <a:solidFill>
-                  <a:schemeClr val="tx1"/>
-                </a:solidFill>
-              </a:rPr>
-              <a:t>i</a:t>
-            </a:r>
-            <a:r>
-              <a:rPr lang="en-US" dirty="0" smtClean="0">
-                <a:solidFill>
-                  <a:schemeClr val="tx1"/>
-                </a:solidFill>
-              </a:rPr>
-              <a:t> </a:t>
-            </a:r>
-            <a:r>
-              <a:rPr lang="en-US" dirty="0" err="1" smtClean="0">
-                <a:solidFill>
-                  <a:schemeClr val="tx1"/>
-                </a:solidFill>
-              </a:rPr>
-              <a:t>området</a:t>
-            </a:r>
-            <a:r>
-              <a:rPr lang="en-US" dirty="0" smtClean="0">
-                <a:solidFill>
-                  <a:schemeClr val="tx1"/>
-                </a:solidFill>
-              </a:rPr>
-              <a:t> mot </a:t>
-            </a:r>
-            <a:r>
-              <a:rPr lang="en-US" dirty="0" err="1" smtClean="0">
-                <a:solidFill>
-                  <a:schemeClr val="tx1"/>
-                </a:solidFill>
-              </a:rPr>
-              <a:t>byggnaden</a:t>
-            </a:r>
-            <a:endParaRPr lang="en-US" dirty="0">
-              <a:solidFill>
-                <a:schemeClr val="tx1"/>
-              </a:solidFill>
-            </a:endParaRPr>
-          </a:p>
-        </p:txBody>
-      </p:sp>
-      <p:cxnSp>
-        <p:nvCxnSpPr>
-          <p:cNvPr id="4" name="Straight Arrow Connector 3"/>
-          <p:cNvCxnSpPr>
-            <a:stCxn id="2" idx="3"/>
-            <a:endCxn id="13" idx="1"/>
-          </p:cNvCxnSpPr>
-          <p:nvPr/>
-        </p:nvCxnSpPr>
-        <p:spPr>
-          <a:xfrm>
-            <a:off x="2006378" y="3361090"/>
-            <a:ext cx="481385" cy="422662"/>
-          </a:xfrm>
-          <a:prstGeom prst="straightConnector1">
-            <a:avLst/>
-          </a:prstGeom>
-          <a:ln w="19050">
-            <a:solidFill>
-              <a:schemeClr val="bg1">
-                <a:lumMod val="50000"/>
-              </a:schemeClr>
-            </a:solidFill>
-            <a:tailEnd type="arrow"/>
-          </a:ln>
-        </p:spPr>
-        <p:style>
-          <a:lnRef idx="1">
-            <a:schemeClr val="accent1"/>
-          </a:lnRef>
-          <a:fillRef idx="0">
-            <a:schemeClr val="accent1"/>
-          </a:fillRef>
-          <a:effectRef idx="0">
-            <a:schemeClr val="accent1"/>
-          </a:effectRef>
-          <a:fontRef idx="minor">
-            <a:schemeClr val="tx1"/>
-          </a:fontRef>
-        </p:style>
-      </p:cxnSp>
-      <p:cxnSp>
-        <p:nvCxnSpPr>
-          <p:cNvPr id="15" name="Straight Arrow Connector 14"/>
-          <p:cNvCxnSpPr>
-            <a:stCxn id="12" idx="3"/>
-            <a:endCxn id="13" idx="1"/>
-          </p:cNvCxnSpPr>
-          <p:nvPr/>
-        </p:nvCxnSpPr>
-        <p:spPr>
-          <a:xfrm flipV="1">
-            <a:off x="2006378" y="3783752"/>
-            <a:ext cx="481385" cy="588853"/>
-          </a:xfrm>
-          <a:prstGeom prst="straightConnector1">
-            <a:avLst/>
-          </a:prstGeom>
-          <a:ln w="19050">
-            <a:solidFill>
-              <a:schemeClr val="bg1">
-                <a:lumMod val="50000"/>
-              </a:schemeClr>
-            </a:solidFill>
-            <a:tailEnd type="arrow"/>
-          </a:ln>
-        </p:spPr>
-        <p:style>
-          <a:lnRef idx="1">
-            <a:schemeClr val="accent1"/>
-          </a:lnRef>
-          <a:fillRef idx="0">
-            <a:schemeClr val="accent1"/>
-          </a:fillRef>
-          <a:effectRef idx="0">
-            <a:schemeClr val="accent1"/>
-          </a:effectRef>
-          <a:fontRef idx="minor">
-            <a:schemeClr val="tx1"/>
-          </a:fontRef>
-        </p:style>
-      </p:cxnSp>
-      <p:cxnSp>
-        <p:nvCxnSpPr>
-          <p:cNvPr id="19" name="Straight Arrow Connector 18"/>
-          <p:cNvCxnSpPr>
-            <a:stCxn id="13" idx="3"/>
-            <a:endCxn id="14" idx="1"/>
-          </p:cNvCxnSpPr>
-          <p:nvPr/>
-        </p:nvCxnSpPr>
-        <p:spPr>
-          <a:xfrm>
-            <a:off x="4431979" y="3783752"/>
-            <a:ext cx="420395" cy="4803"/>
-          </a:xfrm>
-          <a:prstGeom prst="straightConnector1">
-            <a:avLst/>
-          </a:prstGeom>
-          <a:ln w="19050">
-            <a:solidFill>
-              <a:schemeClr val="bg1">
-                <a:lumMod val="50000"/>
-              </a:schemeClr>
-            </a:solidFill>
-            <a:tailEnd type="arrow"/>
-          </a:ln>
-        </p:spPr>
-        <p:style>
-          <a:lnRef idx="1">
-            <a:schemeClr val="accent1"/>
-          </a:lnRef>
-          <a:fillRef idx="0">
-            <a:schemeClr val="accent1"/>
-          </a:fillRef>
-          <a:effectRef idx="0">
-            <a:schemeClr val="accent1"/>
-          </a:effectRef>
-          <a:fontRef idx="minor">
-            <a:schemeClr val="tx1"/>
-          </a:fontRef>
-        </p:style>
-      </p:cxnSp>
-      <p:sp>
-        <p:nvSpPr>
-          <p:cNvPr id="27" name="Rectangle 26"/>
-          <p:cNvSpPr/>
-          <p:nvPr/>
-        </p:nvSpPr>
-        <p:spPr>
-          <a:xfrm>
-            <a:off x="7164288" y="3168112"/>
-            <a:ext cx="1944216" cy="1240885"/>
-          </a:xfrm>
-          <a:prstGeom prst="rect">
-            <a:avLst/>
-          </a:prstGeom>
-          <a:solidFill>
-            <a:schemeClr val="bg1">
-              <a:lumMod val="95000"/>
-            </a:schemeClr>
-          </a:solidFill>
-          <a:ln>
-            <a:solidFill>
-              <a:schemeClr val="bg1">
-                <a:lumMod val="50000"/>
-              </a:schemeClr>
-            </a:solidFill>
-          </a:ln>
-        </p:spPr>
-        <p:style>
-          <a:lnRef idx="2">
-            <a:schemeClr val="accent1">
-              <a:shade val="50000"/>
-            </a:schemeClr>
-          </a:lnRef>
-          <a:fillRef idx="1">
-            <a:schemeClr val="accent1"/>
-          </a:fillRef>
-          <a:effectRef idx="0">
-            <a:schemeClr val="accent1"/>
-          </a:effectRef>
-          <a:fontRef idx="minor">
-            <a:schemeClr val="lt1"/>
-          </a:fontRef>
-        </p:style>
-        <p:txBody>
-          <a:bodyPr rtlCol="0" anchor="ctr"/>
-          <a:lstStyle/>
-          <a:p>
-            <a:pPr algn="ctr"/>
-            <a:r>
-              <a:rPr lang="en-US" dirty="0" err="1" smtClean="0">
-                <a:solidFill>
-                  <a:schemeClr val="tx1"/>
-                </a:solidFill>
-              </a:rPr>
-              <a:t>Resultat</a:t>
-            </a:r>
-            <a:r>
-              <a:rPr lang="en-US" dirty="0" smtClean="0">
-                <a:solidFill>
-                  <a:schemeClr val="tx1"/>
-                </a:solidFill>
-              </a:rPr>
-              <a:t>:</a:t>
-            </a:r>
-          </a:p>
-          <a:p>
-            <a:pPr algn="ctr"/>
-            <a:r>
-              <a:rPr lang="en-US" dirty="0" err="1" smtClean="0">
-                <a:solidFill>
-                  <a:schemeClr val="tx1"/>
-                </a:solidFill>
-              </a:rPr>
-              <a:t>Visuellt</a:t>
-            </a:r>
-            <a:r>
-              <a:rPr lang="en-US" dirty="0" smtClean="0">
-                <a:solidFill>
-                  <a:schemeClr val="tx1"/>
-                </a:solidFill>
-              </a:rPr>
-              <a:t> </a:t>
-            </a:r>
-            <a:r>
-              <a:rPr lang="en-US" dirty="0" err="1" smtClean="0">
-                <a:solidFill>
-                  <a:schemeClr val="tx1"/>
-                </a:solidFill>
-              </a:rPr>
-              <a:t>i</a:t>
-            </a:r>
-            <a:r>
-              <a:rPr lang="en-US" dirty="0" smtClean="0">
-                <a:solidFill>
-                  <a:schemeClr val="tx1"/>
-                </a:solidFill>
-              </a:rPr>
-              <a:t> FME</a:t>
-            </a:r>
-          </a:p>
-          <a:p>
-            <a:pPr algn="ctr"/>
-            <a:r>
-              <a:rPr lang="en-US" dirty="0" smtClean="0">
-                <a:solidFill>
-                  <a:schemeClr val="tx1"/>
-                </a:solidFill>
-              </a:rPr>
-              <a:t>Rapport </a:t>
-            </a:r>
-            <a:r>
-              <a:rPr lang="en-US" dirty="0" err="1" smtClean="0">
-                <a:solidFill>
-                  <a:schemeClr val="tx1"/>
-                </a:solidFill>
-              </a:rPr>
-              <a:t>i</a:t>
-            </a:r>
-            <a:r>
-              <a:rPr lang="en-US" dirty="0" smtClean="0">
-                <a:solidFill>
-                  <a:schemeClr val="tx1"/>
-                </a:solidFill>
-              </a:rPr>
-              <a:t> Excel</a:t>
-            </a:r>
-            <a:endParaRPr lang="en-US" dirty="0">
-              <a:solidFill>
-                <a:schemeClr val="tx1"/>
-              </a:solidFill>
-            </a:endParaRPr>
-          </a:p>
-        </p:txBody>
-      </p:sp>
-      <p:cxnSp>
-        <p:nvCxnSpPr>
-          <p:cNvPr id="28" name="Straight Arrow Connector 27"/>
-          <p:cNvCxnSpPr/>
-          <p:nvPr/>
-        </p:nvCxnSpPr>
-        <p:spPr>
-          <a:xfrm>
-            <a:off x="6781678" y="3789040"/>
-            <a:ext cx="420395" cy="4803"/>
-          </a:xfrm>
-          <a:prstGeom prst="straightConnector1">
-            <a:avLst/>
-          </a:prstGeom>
-          <a:ln w="19050">
-            <a:solidFill>
-              <a:schemeClr val="bg1">
-                <a:lumMod val="50000"/>
-              </a:schemeClr>
-            </a:solidFill>
-            <a:tailEnd type="arrow"/>
-          </a:ln>
-        </p:spPr>
-        <p:style>
-          <a:lnRef idx="1">
-            <a:schemeClr val="accent1"/>
-          </a:lnRef>
-          <a:fillRef idx="0">
-            <a:schemeClr val="accent1"/>
-          </a:fillRef>
-          <a:effectRef idx="0">
-            <a:schemeClr val="accent1"/>
-          </a:effectRef>
-          <a:fontRef idx="minor">
-            <a:schemeClr val="tx1"/>
-          </a:fontRef>
-        </p:style>
-      </p:cxnSp>
-    </p:spTree>
-    <p:extLst>
-      <p:ext uri="{BB962C8B-B14F-4D97-AF65-F5344CB8AC3E}">
-        <p14:creationId xmlns:p14="http://schemas.microsoft.com/office/powerpoint/2010/main" val="1186620507"/>
       </p:ext>
     </p:extLst>
   </p:cSld>
